--- a/Version_Control.pptx
+++ b/Version_Control.pptx
@@ -250,7 +250,7 @@
           <a:p>
             <a:fld id="{08F62E20-B1AA-3442-B8F1-F4A56998389D}" type="datetimeFigureOut">
               <a:rPr lang="en-US" smtClean="0"/>
-              <a:t>10/2/17</a:t>
+              <a:t>5/14/18</a:t>
             </a:fld>
             <a:endParaRPr lang="en-US"/>
           </a:p>
@@ -677,7 +677,7 @@
           <a:ln/>
           <a:extLst>
             <a:ext uri="{AF507438-7753-43e0-B8FC-AC1667EBCBE1}">
-              <a14:hiddenEffects xmlns="" xmlns:a14="http://schemas.microsoft.com/office/drawing/2010/main">
+              <a14:hiddenEffects xmlns:a14="http://schemas.microsoft.com/office/drawing/2010/main" xmlns="">
                 <a:effectLst>
                   <a:outerShdw blurRad="63500" dist="38099" dir="2700000" algn="ctr" rotWithShape="0">
                     <a:srgbClr val="000000">
@@ -708,7 +708,7 @@
           <a:ln/>
           <a:extLst>
             <a:ext uri="{AF507438-7753-43e0-B8FC-AC1667EBCBE1}">
-              <a14:hiddenEffects xmlns="" xmlns:a14="http://schemas.microsoft.com/office/drawing/2010/main">
+              <a14:hiddenEffects xmlns:a14="http://schemas.microsoft.com/office/drawing/2010/main" xmlns="">
                 <a:effectLst>
                   <a:outerShdw blurRad="63500" dist="38099" dir="2700000" algn="ctr" rotWithShape="0">
                     <a:srgbClr val="000000">
@@ -821,7 +821,7 @@
           <a:ln/>
           <a:extLst>
             <a:ext uri="{AF507438-7753-43e0-B8FC-AC1667EBCBE1}">
-              <a14:hiddenEffects xmlns="" xmlns:a14="http://schemas.microsoft.com/office/drawing/2010/main">
+              <a14:hiddenEffects xmlns:a14="http://schemas.microsoft.com/office/drawing/2010/main" xmlns="">
                 <a:effectLst>
                   <a:outerShdw blurRad="63500" dist="38099" dir="2700000" algn="ctr" rotWithShape="0">
                     <a:srgbClr val="000000">
@@ -852,7 +852,7 @@
           <a:ln/>
           <a:extLst>
             <a:ext uri="{AF507438-7753-43e0-B8FC-AC1667EBCBE1}">
-              <a14:hiddenEffects xmlns="" xmlns:a14="http://schemas.microsoft.com/office/drawing/2010/main">
+              <a14:hiddenEffects xmlns:a14="http://schemas.microsoft.com/office/drawing/2010/main" xmlns="">
                 <a:effectLst>
                   <a:outerShdw blurRad="63500" dist="38099" dir="2700000" algn="ctr" rotWithShape="0">
                     <a:srgbClr val="000000">
@@ -965,7 +965,7 @@
           <a:ln/>
           <a:extLst>
             <a:ext uri="{AF507438-7753-43e0-B8FC-AC1667EBCBE1}">
-              <a14:hiddenEffects xmlns="" xmlns:a14="http://schemas.microsoft.com/office/drawing/2010/main">
+              <a14:hiddenEffects xmlns:a14="http://schemas.microsoft.com/office/drawing/2010/main" xmlns="">
                 <a:effectLst>
                   <a:outerShdw blurRad="63500" dist="38099" dir="2700000" algn="ctr" rotWithShape="0">
                     <a:srgbClr val="000000">
@@ -996,7 +996,7 @@
           <a:ln/>
           <a:extLst>
             <a:ext uri="{AF507438-7753-43e0-B8FC-AC1667EBCBE1}">
-              <a14:hiddenEffects xmlns="" xmlns:a14="http://schemas.microsoft.com/office/drawing/2010/main">
+              <a14:hiddenEffects xmlns:a14="http://schemas.microsoft.com/office/drawing/2010/main" xmlns="">
                 <a:effectLst>
                   <a:outerShdw blurRad="63500" dist="38099" dir="2700000" algn="ctr" rotWithShape="0">
                     <a:srgbClr val="000000">
@@ -1109,7 +1109,7 @@
           <a:ln/>
           <a:extLst>
             <a:ext uri="{AF507438-7753-43e0-B8FC-AC1667EBCBE1}">
-              <a14:hiddenEffects xmlns="" xmlns:a14="http://schemas.microsoft.com/office/drawing/2010/main">
+              <a14:hiddenEffects xmlns:a14="http://schemas.microsoft.com/office/drawing/2010/main" xmlns="">
                 <a:effectLst>
                   <a:outerShdw blurRad="63500" dist="38099" dir="2700000" algn="ctr" rotWithShape="0">
                     <a:srgbClr val="000000">
@@ -1140,7 +1140,7 @@
           <a:ln/>
           <a:extLst>
             <a:ext uri="{AF507438-7753-43e0-B8FC-AC1667EBCBE1}">
-              <a14:hiddenEffects xmlns="" xmlns:a14="http://schemas.microsoft.com/office/drawing/2010/main">
+              <a14:hiddenEffects xmlns:a14="http://schemas.microsoft.com/office/drawing/2010/main" xmlns="">
                 <a:effectLst>
                   <a:outerShdw blurRad="63500" dist="38099" dir="2700000" algn="ctr" rotWithShape="0">
                     <a:srgbClr val="000000">
@@ -1253,7 +1253,7 @@
           <a:ln/>
           <a:extLst>
             <a:ext uri="{AF507438-7753-43e0-B8FC-AC1667EBCBE1}">
-              <a14:hiddenEffects xmlns="" xmlns:a14="http://schemas.microsoft.com/office/drawing/2010/main">
+              <a14:hiddenEffects xmlns:a14="http://schemas.microsoft.com/office/drawing/2010/main" xmlns="">
                 <a:effectLst>
                   <a:outerShdw blurRad="63500" dist="38099" dir="2700000" algn="ctr" rotWithShape="0">
                     <a:srgbClr val="000000">
@@ -1284,7 +1284,7 @@
           <a:ln/>
           <a:extLst>
             <a:ext uri="{AF507438-7753-43e0-B8FC-AC1667EBCBE1}">
-              <a14:hiddenEffects xmlns="" xmlns:a14="http://schemas.microsoft.com/office/drawing/2010/main">
+              <a14:hiddenEffects xmlns:a14="http://schemas.microsoft.com/office/drawing/2010/main" xmlns="">
                 <a:effectLst>
                   <a:outerShdw blurRad="63500" dist="38099" dir="2700000" algn="ctr" rotWithShape="0">
                     <a:srgbClr val="000000">
@@ -1397,7 +1397,7 @@
           <a:ln/>
           <a:extLst>
             <a:ext uri="{AF507438-7753-43e0-B8FC-AC1667EBCBE1}">
-              <a14:hiddenEffects xmlns="" xmlns:a14="http://schemas.microsoft.com/office/drawing/2010/main">
+              <a14:hiddenEffects xmlns:a14="http://schemas.microsoft.com/office/drawing/2010/main" xmlns="">
                 <a:effectLst>
                   <a:outerShdw blurRad="63500" dist="38099" dir="2700000" algn="ctr" rotWithShape="0">
                     <a:srgbClr val="000000">
@@ -1428,7 +1428,7 @@
           <a:ln/>
           <a:extLst>
             <a:ext uri="{AF507438-7753-43e0-B8FC-AC1667EBCBE1}">
-              <a14:hiddenEffects xmlns="" xmlns:a14="http://schemas.microsoft.com/office/drawing/2010/main">
+              <a14:hiddenEffects xmlns:a14="http://schemas.microsoft.com/office/drawing/2010/main" xmlns="">
                 <a:effectLst>
                   <a:outerShdw blurRad="63500" dist="38099" dir="2700000" algn="ctr" rotWithShape="0">
                     <a:srgbClr val="000000">
@@ -1541,7 +1541,7 @@
           <a:ln/>
           <a:extLst>
             <a:ext uri="{AF507438-7753-43e0-B8FC-AC1667EBCBE1}">
-              <a14:hiddenEffects xmlns="" xmlns:a14="http://schemas.microsoft.com/office/drawing/2010/main">
+              <a14:hiddenEffects xmlns:a14="http://schemas.microsoft.com/office/drawing/2010/main" xmlns="">
                 <a:effectLst>
                   <a:outerShdw blurRad="63500" dist="38099" dir="2700000" algn="ctr" rotWithShape="0">
                     <a:srgbClr val="000000">
@@ -1572,7 +1572,7 @@
           <a:ln/>
           <a:extLst>
             <a:ext uri="{AF507438-7753-43e0-B8FC-AC1667EBCBE1}">
-              <a14:hiddenEffects xmlns="" xmlns:a14="http://schemas.microsoft.com/office/drawing/2010/main">
+              <a14:hiddenEffects xmlns:a14="http://schemas.microsoft.com/office/drawing/2010/main" xmlns="">
                 <a:effectLst>
                   <a:outerShdw blurRad="63500" dist="38099" dir="2700000" algn="ctr" rotWithShape="0">
                     <a:srgbClr val="000000">
@@ -1685,7 +1685,7 @@
           <a:ln/>
           <a:extLst>
             <a:ext uri="{AF507438-7753-43e0-B8FC-AC1667EBCBE1}">
-              <a14:hiddenEffects xmlns="" xmlns:a14="http://schemas.microsoft.com/office/drawing/2010/main">
+              <a14:hiddenEffects xmlns:a14="http://schemas.microsoft.com/office/drawing/2010/main" xmlns="">
                 <a:effectLst>
                   <a:outerShdw blurRad="63500" dist="38099" dir="2700000" algn="ctr" rotWithShape="0">
                     <a:srgbClr val="000000">
@@ -1716,7 +1716,7 @@
           <a:ln/>
           <a:extLst>
             <a:ext uri="{AF507438-7753-43e0-B8FC-AC1667EBCBE1}">
-              <a14:hiddenEffects xmlns="" xmlns:a14="http://schemas.microsoft.com/office/drawing/2010/main">
+              <a14:hiddenEffects xmlns:a14="http://schemas.microsoft.com/office/drawing/2010/main" xmlns="">
                 <a:effectLst>
                   <a:outerShdw blurRad="63500" dist="38099" dir="2700000" algn="ctr" rotWithShape="0">
                     <a:srgbClr val="000000">
@@ -1829,7 +1829,7 @@
           <a:ln/>
           <a:extLst>
             <a:ext uri="{AF507438-7753-43e0-B8FC-AC1667EBCBE1}">
-              <a14:hiddenEffects xmlns="" xmlns:a14="http://schemas.microsoft.com/office/drawing/2010/main">
+              <a14:hiddenEffects xmlns:a14="http://schemas.microsoft.com/office/drawing/2010/main" xmlns="">
                 <a:effectLst>
                   <a:outerShdw blurRad="63500" dist="38099" dir="2700000" algn="ctr" rotWithShape="0">
                     <a:srgbClr val="000000">
@@ -1860,7 +1860,7 @@
           <a:ln/>
           <a:extLst>
             <a:ext uri="{AF507438-7753-43e0-B8FC-AC1667EBCBE1}">
-              <a14:hiddenEffects xmlns="" xmlns:a14="http://schemas.microsoft.com/office/drawing/2010/main">
+              <a14:hiddenEffects xmlns:a14="http://schemas.microsoft.com/office/drawing/2010/main" xmlns="">
                 <a:effectLst>
                   <a:outerShdw blurRad="63500" dist="38099" dir="2700000" algn="ctr" rotWithShape="0">
                     <a:srgbClr val="000000">
@@ -1973,7 +1973,7 @@
           <a:ln/>
           <a:extLst>
             <a:ext uri="{AF507438-7753-43e0-B8FC-AC1667EBCBE1}">
-              <a14:hiddenEffects xmlns="" xmlns:a14="http://schemas.microsoft.com/office/drawing/2010/main">
+              <a14:hiddenEffects xmlns:a14="http://schemas.microsoft.com/office/drawing/2010/main" xmlns="">
                 <a:effectLst>
                   <a:outerShdw blurRad="63500" dist="38099" dir="2700000" algn="ctr" rotWithShape="0">
                     <a:srgbClr val="000000">
@@ -2004,7 +2004,7 @@
           <a:ln/>
           <a:extLst>
             <a:ext uri="{AF507438-7753-43e0-B8FC-AC1667EBCBE1}">
-              <a14:hiddenEffects xmlns="" xmlns:a14="http://schemas.microsoft.com/office/drawing/2010/main">
+              <a14:hiddenEffects xmlns:a14="http://schemas.microsoft.com/office/drawing/2010/main" xmlns="">
                 <a:effectLst>
                   <a:outerShdw blurRad="63500" dist="38099" dir="2700000" algn="ctr" rotWithShape="0">
                     <a:srgbClr val="000000">
@@ -2117,7 +2117,7 @@
           <a:ln/>
           <a:extLst>
             <a:ext uri="{AF507438-7753-43e0-B8FC-AC1667EBCBE1}">
-              <a14:hiddenEffects xmlns="" xmlns:a14="http://schemas.microsoft.com/office/drawing/2010/main">
+              <a14:hiddenEffects xmlns:a14="http://schemas.microsoft.com/office/drawing/2010/main" xmlns="">
                 <a:effectLst>
                   <a:outerShdw blurRad="63500" dist="38099" dir="2700000" algn="ctr" rotWithShape="0">
                     <a:srgbClr val="000000">
@@ -2148,7 +2148,7 @@
           <a:ln/>
           <a:extLst>
             <a:ext uri="{AF507438-7753-43e0-B8FC-AC1667EBCBE1}">
-              <a14:hiddenEffects xmlns="" xmlns:a14="http://schemas.microsoft.com/office/drawing/2010/main">
+              <a14:hiddenEffects xmlns:a14="http://schemas.microsoft.com/office/drawing/2010/main" xmlns="">
                 <a:effectLst>
                   <a:outerShdw blurRad="63500" dist="38099" dir="2700000" algn="ctr" rotWithShape="0">
                     <a:srgbClr val="000000">
@@ -2261,7 +2261,7 @@
           <a:ln/>
           <a:extLst>
             <a:ext uri="{AF507438-7753-43e0-B8FC-AC1667EBCBE1}">
-              <a14:hiddenEffects xmlns="" xmlns:a14="http://schemas.microsoft.com/office/drawing/2010/main">
+              <a14:hiddenEffects xmlns:a14="http://schemas.microsoft.com/office/drawing/2010/main" xmlns="">
                 <a:effectLst>
                   <a:outerShdw blurRad="63500" dist="38099" dir="2700000" algn="ctr" rotWithShape="0">
                     <a:srgbClr val="000000">
@@ -2292,7 +2292,7 @@
           <a:ln/>
           <a:extLst>
             <a:ext uri="{AF507438-7753-43e0-B8FC-AC1667EBCBE1}">
-              <a14:hiddenEffects xmlns="" xmlns:a14="http://schemas.microsoft.com/office/drawing/2010/main">
+              <a14:hiddenEffects xmlns:a14="http://schemas.microsoft.com/office/drawing/2010/main" xmlns="">
                 <a:effectLst>
                   <a:outerShdw blurRad="63500" dist="38099" dir="2700000" algn="ctr" rotWithShape="0">
                     <a:srgbClr val="000000">
@@ -2519,7 +2519,7 @@
           <a:p>
             <a:fld id="{2691D6E4-0F7A-0249-86EF-226720E50E4C}" type="datetimeFigureOut">
               <a:rPr lang="en-US" smtClean="0"/>
-              <a:t>10/2/17</a:t>
+              <a:t>5/14/18</a:t>
             </a:fld>
             <a:endParaRPr lang="en-US"/>
           </a:p>
@@ -2713,7 +2713,7 @@
           <a:p>
             <a:fld id="{2691D6E4-0F7A-0249-86EF-226720E50E4C}" type="datetimeFigureOut">
               <a:rPr lang="en-US" smtClean="0"/>
-              <a:t>10/2/17</a:t>
+              <a:t>5/14/18</a:t>
             </a:fld>
             <a:endParaRPr lang="en-US"/>
           </a:p>
@@ -2917,7 +2917,7 @@
           <a:p>
             <a:fld id="{2691D6E4-0F7A-0249-86EF-226720E50E4C}" type="datetimeFigureOut">
               <a:rPr lang="en-US" smtClean="0"/>
-              <a:t>10/2/17</a:t>
+              <a:t>5/14/18</a:t>
             </a:fld>
             <a:endParaRPr lang="en-US"/>
           </a:p>
@@ -3111,7 +3111,7 @@
           <a:p>
             <a:fld id="{2691D6E4-0F7A-0249-86EF-226720E50E4C}" type="datetimeFigureOut">
               <a:rPr lang="en-US" smtClean="0"/>
-              <a:t>10/2/17</a:t>
+              <a:t>5/14/18</a:t>
             </a:fld>
             <a:endParaRPr lang="en-US"/>
           </a:p>
@@ -3381,7 +3381,7 @@
           <a:p>
             <a:fld id="{2691D6E4-0F7A-0249-86EF-226720E50E4C}" type="datetimeFigureOut">
               <a:rPr lang="en-US" smtClean="0"/>
-              <a:t>10/2/17</a:t>
+              <a:t>5/14/18</a:t>
             </a:fld>
             <a:endParaRPr lang="en-US"/>
           </a:p>
@@ -3693,7 +3693,7 @@
           <a:p>
             <a:fld id="{2691D6E4-0F7A-0249-86EF-226720E50E4C}" type="datetimeFigureOut">
               <a:rPr lang="en-US" smtClean="0"/>
-              <a:t>10/2/17</a:t>
+              <a:t>5/14/18</a:t>
             </a:fld>
             <a:endParaRPr lang="en-US"/>
           </a:p>
@@ -4139,7 +4139,7 @@
           <a:p>
             <a:fld id="{2691D6E4-0F7A-0249-86EF-226720E50E4C}" type="datetimeFigureOut">
               <a:rPr lang="en-US" smtClean="0"/>
-              <a:t>10/2/17</a:t>
+              <a:t>5/14/18</a:t>
             </a:fld>
             <a:endParaRPr lang="en-US"/>
           </a:p>
@@ -4281,7 +4281,7 @@
           <a:p>
             <a:fld id="{2691D6E4-0F7A-0249-86EF-226720E50E4C}" type="datetimeFigureOut">
               <a:rPr lang="en-US" smtClean="0"/>
-              <a:t>10/2/17</a:t>
+              <a:t>5/14/18</a:t>
             </a:fld>
             <a:endParaRPr lang="en-US"/>
           </a:p>
@@ -4400,7 +4400,7 @@
           <a:p>
             <a:fld id="{2691D6E4-0F7A-0249-86EF-226720E50E4C}" type="datetimeFigureOut">
               <a:rPr lang="en-US" smtClean="0"/>
-              <a:t>10/2/17</a:t>
+              <a:t>5/14/18</a:t>
             </a:fld>
             <a:endParaRPr lang="en-US"/>
           </a:p>
@@ -4701,7 +4701,7 @@
           <a:p>
             <a:fld id="{2691D6E4-0F7A-0249-86EF-226720E50E4C}" type="datetimeFigureOut">
               <a:rPr lang="en-US" smtClean="0"/>
-              <a:t>10/2/17</a:t>
+              <a:t>5/14/18</a:t>
             </a:fld>
             <a:endParaRPr lang="en-US"/>
           </a:p>
@@ -4978,7 +4978,7 @@
           <a:p>
             <a:fld id="{2691D6E4-0F7A-0249-86EF-226720E50E4C}" type="datetimeFigureOut">
               <a:rPr lang="en-US" smtClean="0"/>
-              <a:t>10/2/17</a:t>
+              <a:t>5/14/18</a:t>
             </a:fld>
             <a:endParaRPr lang="en-US"/>
           </a:p>
@@ -6015,13 +6015,13 @@
           <a:lstStyle/>
           <a:p>
             <a:r>
-              <a:rPr lang="en-US" sz="1400" dirty="0" smtClean="0">
+              <a:rPr lang="en-US" sz="1400" smtClean="0">
                 <a:solidFill>
                   <a:srgbClr val="000000"/>
                 </a:solidFill>
                 <a:latin typeface="Helvetica" charset="0"/>
               </a:rPr>
-              <a:t>2017</a:t>
+              <a:t>2018, </a:t>
             </a:r>
             <a:r>
               <a:rPr lang="en-US" sz="1400" dirty="0">
@@ -6030,7 +6030,7 @@
                 </a:solidFill>
                 <a:latin typeface="Helvetica" charset="0"/>
               </a:rPr>
-              <a:t>, Copyright of David Beck, University of Washington. Provided under the </a:t>
+              <a:t>Copyright of David Beck, University of Washington. Provided under the </a:t>
             </a:r>
             <a:r>
               <a:rPr lang="en-US" sz="1400" dirty="0">
@@ -8658,7 +8658,7 @@
           <a:effectLst/>
           <a:extLst>
             <a:ext uri="{AF507438-7753-43e0-B8FC-AC1667EBCBE1}">
-              <a14:hiddenEffects xmlns="" xmlns:a14="http://schemas.microsoft.com/office/drawing/2010/main">
+              <a14:hiddenEffects xmlns:a14="http://schemas.microsoft.com/office/drawing/2010/main" xmlns="">
                 <a:effectLst>
                   <a:outerShdw blurRad="63500" dist="38099" dir="2700000" algn="ctr" rotWithShape="0">
                     <a:schemeClr val="bg2">
